--- a/presentation/recovered.pptx
+++ b/presentation/recovered.pptx
@@ -3342,36 +3342,63 @@
           </a:p>
         </p:txBody>
       </p:sp>
-      <p:pic>
-        <p:nvPicPr>
-          <p:cNvPr id="4" name="Picture 3" descr="Screen Shot 2014-05-14 at 10.15.43.png"/>
-          <p:cNvPicPr>
-            <a:picLocks noChangeAspect="1"/>
-          </p:cNvPicPr>
-          <p:nvPr/>
-        </p:nvPicPr>
-        <p:blipFill>
-          <a:blip r:embed="rId2">
-            <a:extLst>
-              <a:ext uri="{28A0092B-C50C-407E-A947-70E740481C1C}">
-                <a14:useLocalDpi xmlns:a14="http://schemas.microsoft.com/office/drawing/2010/main" val="0"/>
-              </a:ext>
-            </a:extLst>
-          </a:blip>
-          <a:stretch>
-            <a:fillRect/>
-          </a:stretch>
-        </p:blipFill>
-        <p:spPr>
-          <a:xfrm>
-            <a:off x="2283896" y="3840046"/>
-            <a:ext cx="4050884" cy="1379971"/>
-          </a:xfrm>
-          <a:prstGeom prst="rect">
-            <a:avLst/>
-          </a:prstGeom>
-        </p:spPr>
-      </p:pic>
+      <p:graphicFrame>
+        <p:nvGraphicFramePr>
+          <p:cNvPr id="5" name="Object 4"/>
+          <p:cNvGraphicFramePr>
+            <a:graphicFrameLocks noChangeAspect="1"/>
+          </p:cNvGraphicFramePr>
+          <p:nvPr>
+            <p:extLst>
+              <p:ext uri="{D42A27DB-BD31-4B8C-83A1-F6EECF244321}">
+                <p14:modId xmlns:p14="http://schemas.microsoft.com/office/powerpoint/2010/main" val="1992477498"/>
+              </p:ext>
+            </p:extLst>
+          </p:nvPr>
+        </p:nvGraphicFramePr>
+        <p:xfrm>
+          <a:off x="-3683417" y="3206750"/>
+          <a:ext cx="15552000" cy="1260000"/>
+        </p:xfrm>
+        <a:graphic>
+          <a:graphicData uri="http://schemas.openxmlformats.org/presentationml/2006/ole">
+            <mc:AlternateContent xmlns:mc="http://schemas.openxmlformats.org/markup-compatibility/2006">
+              <mc:Choice xmlns:v="urn:schemas-microsoft-com:vml" Requires="v">
+                <p:oleObj spid="_x0000_s6150" name="Document" r:id="rId3" imgW="5486400" imgH="444500" progId="Word.Document.12">
+                  <p:link updateAutomatic="1"/>
+                </p:oleObj>
+              </mc:Choice>
+              <mc:Fallback>
+                <p:oleObj name="Document" r:id="rId3" imgW="5486400" imgH="444500" progId="Word.Document.12">
+                  <p:link updateAutomatic="1"/>
+                  <p:pic>
+                    <p:nvPicPr>
+                      <p:cNvPr id="0" name=""/>
+                      <p:cNvPicPr/>
+                      <p:nvPr/>
+                    </p:nvPicPr>
+                    <p:blipFill>
+                      <a:blip r:embed="rId4"/>
+                      <a:stretch>
+                        <a:fillRect/>
+                      </a:stretch>
+                    </p:blipFill>
+                    <p:spPr>
+                      <a:xfrm>
+                        <a:off x="-3683417" y="3206750"/>
+                        <a:ext cx="15552000" cy="1260000"/>
+                      </a:xfrm>
+                      <a:prstGeom prst="rect">
+                        <a:avLst/>
+                      </a:prstGeom>
+                    </p:spPr>
+                  </p:pic>
+                </p:oleObj>
+              </mc:Fallback>
+            </mc:AlternateContent>
+          </a:graphicData>
+        </a:graphic>
+      </p:graphicFrame>
     </p:spTree>
     <p:extLst>
       <p:ext uri="{BB962C8B-B14F-4D97-AF65-F5344CB8AC3E}">
@@ -3481,7 +3508,7 @@
       </p:sp>
       <p:pic>
         <p:nvPicPr>
-          <p:cNvPr id="4" name="Picture 3" descr="AlphaGammaDistanceFinal.eps"/>
+          <p:cNvPr id="5" name="Picture 4" descr="AlphaGammaDistanceFinal.eps"/>
           <p:cNvPicPr>
             <a:picLocks noChangeAspect="1"/>
           </p:cNvPicPr>
@@ -3501,8 +3528,8 @@
         </p:blipFill>
         <p:spPr>
           <a:xfrm>
-            <a:off x="1657266" y="2323521"/>
-            <a:ext cx="4750012" cy="3562509"/>
+            <a:off x="1618777" y="2397598"/>
+            <a:ext cx="5493608" cy="4120206"/>
           </a:xfrm>
           <a:prstGeom prst="rect">
             <a:avLst/>
@@ -3604,7 +3631,7 @@
       </p:sp>
       <p:pic>
         <p:nvPicPr>
-          <p:cNvPr id="4" name="Picture 3" descr="AlphaGammaValueFinal.eps"/>
+          <p:cNvPr id="5" name="Picture 4" descr="AlphaGammaValueFinal.eps"/>
           <p:cNvPicPr>
             <a:picLocks noChangeAspect="1"/>
           </p:cNvPicPr>
@@ -3624,8 +3651,8 @@
         </p:blipFill>
         <p:spPr>
           <a:xfrm>
-            <a:off x="1703731" y="2357059"/>
-            <a:ext cx="5231999" cy="3923999"/>
+            <a:off x="1677543" y="2432529"/>
+            <a:ext cx="5520000" cy="4140000"/>
           </a:xfrm>
           <a:prstGeom prst="rect">
             <a:avLst/>
@@ -3752,7 +3779,23 @@
                   <a:srgbClr val="FF0000"/>
                 </a:solidFill>
               </a:rPr>
-              <a:t>0.1 ≤ m ≥ 1</a:t>
+              <a:t>0.1 ≤ m </a:t>
+            </a:r>
+            <a:r>
+              <a:rPr lang="en-US" dirty="0">
+                <a:solidFill>
+                  <a:srgbClr val="FF0000"/>
+                </a:solidFill>
+              </a:rPr>
+              <a:t>≤ </a:t>
+            </a:r>
+            <a:r>
+              <a:rPr lang="en-US" dirty="0" smtClean="0">
+                <a:solidFill>
+                  <a:srgbClr val="FF0000"/>
+                </a:solidFill>
+              </a:rPr>
+              <a:t>1</a:t>
             </a:r>
           </a:p>
           <a:p>
@@ -3874,8 +3917,21 @@
                   <a:srgbClr val="FF0000"/>
                 </a:solidFill>
               </a:rPr>
-              <a:t>0.1 ≤ m ≥ 1</a:t>
-            </a:r>
+              <a:t>0.1 ≤ m </a:t>
+            </a:r>
+            <a:r>
+              <a:rPr lang="en-US" dirty="0" smtClean="0">
+                <a:solidFill>
+                  <a:srgbClr val="FF0000"/>
+                </a:solidFill>
+              </a:rPr>
+              <a:t>≤ 1</a:t>
+            </a:r>
+            <a:endParaRPr lang="en-US" dirty="0">
+              <a:solidFill>
+                <a:srgbClr val="FF0000"/>
+              </a:solidFill>
+            </a:endParaRPr>
           </a:p>
           <a:p>
             <a:endParaRPr lang="en-US" dirty="0" smtClean="0"/>
@@ -3960,16 +4016,8 @@
           <a:p>
             <a:r>
               <a:rPr lang="en-US" dirty="0" smtClean="0"/>
-              <a:t>Single Predator</a:t>
-            </a:r>
-          </a:p>
-          <a:p>
-            <a:r>
-              <a:rPr lang="en-US" dirty="0" smtClean="0"/>
               <a:t>Multiple Predator</a:t>
             </a:r>
-          </a:p>
-          <a:p>
             <a:endParaRPr lang="en-US" dirty="0"/>
           </a:p>
           <a:p>
@@ -4049,10 +4097,198 @@
           <a:bodyPr/>
           <a:lstStyle/>
           <a:p>
+            <a:r>
+              <a:rPr lang="en-US" dirty="0" smtClean="0"/>
+              <a:t>Luca </a:t>
+            </a:r>
+            <a:r>
+              <a:rPr lang="en-US" dirty="0" err="1" smtClean="0"/>
+              <a:t>Formeln</a:t>
+            </a:r>
+            <a:r>
+              <a:rPr lang="en-US" dirty="0" smtClean="0"/>
+              <a:t>:</a:t>
+            </a:r>
+          </a:p>
+          <a:p>
+            <a:endParaRPr lang="en-US" dirty="0" smtClean="0"/>
+          </a:p>
+          <a:p>
             <a:endParaRPr lang="en-US" dirty="0"/>
           </a:p>
         </p:txBody>
       </p:sp>
+      <p:graphicFrame>
+        <p:nvGraphicFramePr>
+          <p:cNvPr id="4" name="Object 3"/>
+          <p:cNvGraphicFramePr>
+            <a:graphicFrameLocks noChangeAspect="1"/>
+          </p:cNvGraphicFramePr>
+          <p:nvPr>
+            <p:extLst>
+              <p:ext uri="{D42A27DB-BD31-4B8C-83A1-F6EECF244321}">
+                <p14:modId xmlns:p14="http://schemas.microsoft.com/office/powerpoint/2010/main" val="4266657595"/>
+              </p:ext>
+            </p:extLst>
+          </p:nvPr>
+        </p:nvGraphicFramePr>
+        <p:xfrm>
+          <a:off x="893817" y="2653936"/>
+          <a:ext cx="11108571" cy="720000"/>
+        </p:xfrm>
+        <a:graphic>
+          <a:graphicData uri="http://schemas.openxmlformats.org/presentationml/2006/ole">
+            <mc:AlternateContent xmlns:mc="http://schemas.openxmlformats.org/markup-compatibility/2006">
+              <mc:Choice xmlns:v="urn:schemas-microsoft-com:vml" Requires="v">
+                <p:oleObj spid="_x0000_s7169" name="Document" r:id="rId3" imgW="5486400" imgH="355600" progId="Word.Document.12">
+                  <p:link updateAutomatic="1"/>
+                </p:oleObj>
+              </mc:Choice>
+              <mc:Fallback>
+                <p:oleObj name="Document" r:id="rId3" imgW="5486400" imgH="355600" progId="Word.Document.12">
+                  <p:link updateAutomatic="1"/>
+                  <p:pic>
+                    <p:nvPicPr>
+                      <p:cNvPr id="0" name=""/>
+                      <p:cNvPicPr/>
+                      <p:nvPr/>
+                    </p:nvPicPr>
+                    <p:blipFill>
+                      <a:blip r:embed="rId4"/>
+                      <a:stretch>
+                        <a:fillRect/>
+                      </a:stretch>
+                    </p:blipFill>
+                    <p:spPr>
+                      <a:xfrm>
+                        <a:off x="893817" y="2653936"/>
+                        <a:ext cx="11108571" cy="720000"/>
+                      </a:xfrm>
+                      <a:prstGeom prst="rect">
+                        <a:avLst/>
+                      </a:prstGeom>
+                    </p:spPr>
+                  </p:pic>
+                </p:oleObj>
+              </mc:Fallback>
+            </mc:AlternateContent>
+          </a:graphicData>
+        </a:graphic>
+      </p:graphicFrame>
+      <p:graphicFrame>
+        <p:nvGraphicFramePr>
+          <p:cNvPr id="5" name="Object 4"/>
+          <p:cNvGraphicFramePr>
+            <a:graphicFrameLocks noChangeAspect="1"/>
+          </p:cNvGraphicFramePr>
+          <p:nvPr>
+            <p:extLst>
+              <p:ext uri="{D42A27DB-BD31-4B8C-83A1-F6EECF244321}">
+                <p14:modId xmlns:p14="http://schemas.microsoft.com/office/powerpoint/2010/main" val="1399234210"/>
+              </p:ext>
+            </p:extLst>
+          </p:nvPr>
+        </p:nvGraphicFramePr>
+        <p:xfrm>
+          <a:off x="893817" y="3614075"/>
+          <a:ext cx="11108571" cy="720000"/>
+        </p:xfrm>
+        <a:graphic>
+          <a:graphicData uri="http://schemas.openxmlformats.org/presentationml/2006/ole">
+            <mc:AlternateContent xmlns:mc="http://schemas.openxmlformats.org/markup-compatibility/2006">
+              <mc:Choice xmlns:v="urn:schemas-microsoft-com:vml" Requires="v">
+                <p:oleObj spid="_x0000_s7170" name="Document" r:id="rId5" imgW="5486400" imgH="355600" progId="Word.Document.12">
+                  <p:link updateAutomatic="1"/>
+                </p:oleObj>
+              </mc:Choice>
+              <mc:Fallback>
+                <p:oleObj name="Document" r:id="rId5" imgW="5486400" imgH="355600" progId="Word.Document.12">
+                  <p:link updateAutomatic="1"/>
+                  <p:pic>
+                    <p:nvPicPr>
+                      <p:cNvPr id="0" name=""/>
+                      <p:cNvPicPr/>
+                      <p:nvPr/>
+                    </p:nvPicPr>
+                    <p:blipFill>
+                      <a:blip r:embed="rId6"/>
+                      <a:stretch>
+                        <a:fillRect/>
+                      </a:stretch>
+                    </p:blipFill>
+                    <p:spPr>
+                      <a:xfrm>
+                        <a:off x="893817" y="3614075"/>
+                        <a:ext cx="11108571" cy="720000"/>
+                      </a:xfrm>
+                      <a:prstGeom prst="rect">
+                        <a:avLst/>
+                      </a:prstGeom>
+                    </p:spPr>
+                  </p:pic>
+                </p:oleObj>
+              </mc:Fallback>
+            </mc:AlternateContent>
+          </a:graphicData>
+        </a:graphic>
+      </p:graphicFrame>
+      <p:graphicFrame>
+        <p:nvGraphicFramePr>
+          <p:cNvPr id="6" name="Object 5"/>
+          <p:cNvGraphicFramePr>
+            <a:graphicFrameLocks noChangeAspect="1"/>
+          </p:cNvGraphicFramePr>
+          <p:nvPr>
+            <p:extLst>
+              <p:ext uri="{D42A27DB-BD31-4B8C-83A1-F6EECF244321}">
+                <p14:modId xmlns:p14="http://schemas.microsoft.com/office/powerpoint/2010/main" val="802881108"/>
+              </p:ext>
+            </p:extLst>
+          </p:nvPr>
+        </p:nvGraphicFramePr>
+        <p:xfrm>
+          <a:off x="893817" y="4646875"/>
+          <a:ext cx="11108571" cy="720000"/>
+        </p:xfrm>
+        <a:graphic>
+          <a:graphicData uri="http://schemas.openxmlformats.org/presentationml/2006/ole">
+            <mc:AlternateContent xmlns:mc="http://schemas.openxmlformats.org/markup-compatibility/2006">
+              <mc:Choice xmlns:v="urn:schemas-microsoft-com:vml" Requires="v">
+                <p:oleObj spid="_x0000_s7171" name="Document" r:id="rId7" imgW="5486400" imgH="355600" progId="Word.Document.12">
+                  <p:link updateAutomatic="1"/>
+                </p:oleObj>
+              </mc:Choice>
+              <mc:Fallback>
+                <p:oleObj name="Document" r:id="rId7" imgW="5486400" imgH="355600" progId="Word.Document.12">
+                  <p:link updateAutomatic="1"/>
+                  <p:pic>
+                    <p:nvPicPr>
+                      <p:cNvPr id="0" name=""/>
+                      <p:cNvPicPr/>
+                      <p:nvPr/>
+                    </p:nvPicPr>
+                    <p:blipFill>
+                      <a:blip r:embed="rId8"/>
+                      <a:stretch>
+                        <a:fillRect/>
+                      </a:stretch>
+                    </p:blipFill>
+                    <p:spPr>
+                      <a:xfrm>
+                        <a:off x="893817" y="4646875"/>
+                        <a:ext cx="11108571" cy="720000"/>
+                      </a:xfrm>
+                      <a:prstGeom prst="rect">
+                        <a:avLst/>
+                      </a:prstGeom>
+                    </p:spPr>
+                  </p:pic>
+                </p:oleObj>
+              </mc:Fallback>
+            </mc:AlternateContent>
+          </a:graphicData>
+        </a:graphic>
+      </p:graphicFrame>
     </p:spTree>
     <p:extLst>
       <p:ext uri="{BB962C8B-B14F-4D97-AF65-F5344CB8AC3E}">
@@ -4182,11 +4418,7 @@
           <a:p>
             <a:r>
               <a:rPr lang="en-US" dirty="0" smtClean="0"/>
-              <a:t>SD: </a:t>
-            </a:r>
-            <a:r>
-              <a:rPr lang="en-US" dirty="0" smtClean="0"/>
-              <a:t>Videos</a:t>
+              <a:t>SD: Videos</a:t>
             </a:r>
             <a:endParaRPr lang="en-US" dirty="0"/>
           </a:p>
@@ -4613,66 +4845,120 @@
           </a:p>
         </p:txBody>
       </p:sp>
-      <p:pic>
-        <p:nvPicPr>
-          <p:cNvPr id="4" name="Picture 3" descr="Screen Shot 2014-05-13 at 22.45.27.png"/>
-          <p:cNvPicPr>
-            <a:picLocks noChangeAspect="1"/>
-          </p:cNvPicPr>
-          <p:nvPr/>
-        </p:nvPicPr>
-        <p:blipFill>
-          <a:blip r:embed="rId2">
-            <a:extLst>
-              <a:ext uri="{28A0092B-C50C-407E-A947-70E740481C1C}">
-                <a14:useLocalDpi xmlns:a14="http://schemas.microsoft.com/office/drawing/2010/main" val="0"/>
-              </a:ext>
-            </a:extLst>
-          </a:blip>
-          <a:stretch>
-            <a:fillRect/>
-          </a:stretch>
-        </p:blipFill>
-        <p:spPr>
-          <a:xfrm>
-            <a:off x="1992265" y="3369204"/>
-            <a:ext cx="3784930" cy="803749"/>
-          </a:xfrm>
-          <a:prstGeom prst="rect">
-            <a:avLst/>
-          </a:prstGeom>
-        </p:spPr>
-      </p:pic>
-      <p:pic>
-        <p:nvPicPr>
-          <p:cNvPr id="5" name="Picture 4" descr="Screen Shot 2014-05-13 at 22.46.58.png"/>
-          <p:cNvPicPr>
-            <a:picLocks noChangeAspect="1"/>
-          </p:cNvPicPr>
-          <p:nvPr/>
-        </p:nvPicPr>
-        <p:blipFill>
-          <a:blip r:embed="rId3">
-            <a:extLst>
-              <a:ext uri="{28A0092B-C50C-407E-A947-70E740481C1C}">
-                <a14:useLocalDpi xmlns:a14="http://schemas.microsoft.com/office/drawing/2010/main" val="0"/>
-              </a:ext>
-            </a:extLst>
-          </a:blip>
-          <a:stretch>
-            <a:fillRect/>
-          </a:stretch>
-        </p:blipFill>
-        <p:spPr>
-          <a:xfrm>
-            <a:off x="2100684" y="4662339"/>
-            <a:ext cx="3784930" cy="667047"/>
-          </a:xfrm>
-          <a:prstGeom prst="rect">
-            <a:avLst/>
-          </a:prstGeom>
-        </p:spPr>
-      </p:pic>
+      <p:graphicFrame>
+        <p:nvGraphicFramePr>
+          <p:cNvPr id="7" name="Object 6"/>
+          <p:cNvGraphicFramePr>
+            <a:graphicFrameLocks noChangeAspect="1"/>
+          </p:cNvGraphicFramePr>
+          <p:nvPr>
+            <p:extLst>
+              <p:ext uri="{D42A27DB-BD31-4B8C-83A1-F6EECF244321}">
+                <p14:modId xmlns:p14="http://schemas.microsoft.com/office/powerpoint/2010/main" val="2543039357"/>
+              </p:ext>
+            </p:extLst>
+          </p:nvPr>
+        </p:nvGraphicFramePr>
+        <p:xfrm>
+          <a:off x="969363" y="3391791"/>
+          <a:ext cx="12277894" cy="540000"/>
+        </p:xfrm>
+        <a:graphic>
+          <a:graphicData uri="http://schemas.openxmlformats.org/presentationml/2006/ole">
+            <mc:AlternateContent xmlns:mc="http://schemas.openxmlformats.org/markup-compatibility/2006">
+              <mc:Choice xmlns:v="urn:schemas-microsoft-com:vml" Requires="v">
+                <p:oleObj spid="_x0000_s1034" name="Document" r:id="rId3" imgW="5486400" imgH="241300" progId="Word.Document.12">
+                  <p:link updateAutomatic="1"/>
+                </p:oleObj>
+              </mc:Choice>
+              <mc:Fallback>
+                <p:oleObj name="Document" r:id="rId3" imgW="5486400" imgH="241300" progId="Word.Document.12">
+                  <p:link updateAutomatic="1"/>
+                  <p:pic>
+                    <p:nvPicPr>
+                      <p:cNvPr id="0" name=""/>
+                      <p:cNvPicPr/>
+                      <p:nvPr/>
+                    </p:nvPicPr>
+                    <p:blipFill>
+                      <a:blip r:embed="rId4"/>
+                      <a:stretch>
+                        <a:fillRect/>
+                      </a:stretch>
+                    </p:blipFill>
+                    <p:spPr>
+                      <a:xfrm>
+                        <a:off x="969363" y="3391791"/>
+                        <a:ext cx="12277894" cy="540000"/>
+                      </a:xfrm>
+                      <a:prstGeom prst="rect">
+                        <a:avLst/>
+                      </a:prstGeom>
+                    </p:spPr>
+                  </p:pic>
+                </p:oleObj>
+              </mc:Fallback>
+            </mc:AlternateContent>
+          </a:graphicData>
+        </a:graphic>
+      </p:graphicFrame>
+      <p:graphicFrame>
+        <p:nvGraphicFramePr>
+          <p:cNvPr id="8" name="Object 7"/>
+          <p:cNvGraphicFramePr>
+            <a:graphicFrameLocks noChangeAspect="1"/>
+          </p:cNvGraphicFramePr>
+          <p:nvPr>
+            <p:extLst>
+              <p:ext uri="{D42A27DB-BD31-4B8C-83A1-F6EECF244321}">
+                <p14:modId xmlns:p14="http://schemas.microsoft.com/office/powerpoint/2010/main" val="4024541852"/>
+              </p:ext>
+            </p:extLst>
+          </p:nvPr>
+        </p:nvGraphicFramePr>
+        <p:xfrm>
+          <a:off x="969363" y="4619028"/>
+          <a:ext cx="13722353" cy="540000"/>
+        </p:xfrm>
+        <a:graphic>
+          <a:graphicData uri="http://schemas.openxmlformats.org/presentationml/2006/ole">
+            <mc:AlternateContent xmlns:mc="http://schemas.openxmlformats.org/markup-compatibility/2006">
+              <mc:Choice xmlns:v="urn:schemas-microsoft-com:vml" Requires="v">
+                <p:oleObj spid="_x0000_s1035" name="Document" r:id="rId5" imgW="5486400" imgH="215900" progId="Word.Document.12">
+                  <p:link updateAutomatic="1"/>
+                </p:oleObj>
+              </mc:Choice>
+              <mc:Fallback>
+                <p:oleObj name="Document" r:id="rId5" imgW="5486400" imgH="215900" progId="Word.Document.12">
+                  <p:link updateAutomatic="1"/>
+                  <p:pic>
+                    <p:nvPicPr>
+                      <p:cNvPr id="0" name=""/>
+                      <p:cNvPicPr/>
+                      <p:nvPr/>
+                    </p:nvPicPr>
+                    <p:blipFill>
+                      <a:blip r:embed="rId6"/>
+                      <a:stretch>
+                        <a:fillRect/>
+                      </a:stretch>
+                    </p:blipFill>
+                    <p:spPr>
+                      <a:xfrm>
+                        <a:off x="969363" y="4619028"/>
+                        <a:ext cx="13722353" cy="540000"/>
+                      </a:xfrm>
+                      <a:prstGeom prst="rect">
+                        <a:avLst/>
+                      </a:prstGeom>
+                    </p:spPr>
+                  </p:pic>
+                </p:oleObj>
+              </mc:Fallback>
+            </mc:AlternateContent>
+          </a:graphicData>
+        </a:graphic>
+      </p:graphicFrame>
     </p:spTree>
     <p:extLst>
       <p:ext uri="{BB962C8B-B14F-4D97-AF65-F5344CB8AC3E}">
@@ -4898,36 +5184,63 @@
           </a:p>
         </p:txBody>
       </p:sp>
-      <p:pic>
-        <p:nvPicPr>
-          <p:cNvPr id="4" name="Picture 3" descr="Screen Shot 2014-05-13 at 22.45.27.png"/>
-          <p:cNvPicPr>
-            <a:picLocks noChangeAspect="1"/>
-          </p:cNvPicPr>
-          <p:nvPr/>
-        </p:nvPicPr>
-        <p:blipFill>
-          <a:blip r:embed="rId2">
-            <a:extLst>
-              <a:ext uri="{28A0092B-C50C-407E-A947-70E740481C1C}">
-                <a14:useLocalDpi xmlns:a14="http://schemas.microsoft.com/office/drawing/2010/main" val="0"/>
-              </a:ext>
-            </a:extLst>
-          </a:blip>
-          <a:stretch>
-            <a:fillRect/>
-          </a:stretch>
-        </p:blipFill>
-        <p:spPr>
-          <a:xfrm>
-            <a:off x="1806404" y="2346894"/>
-            <a:ext cx="3784930" cy="803749"/>
-          </a:xfrm>
-          <a:prstGeom prst="rect">
-            <a:avLst/>
-          </a:prstGeom>
-        </p:spPr>
-      </p:pic>
+      <p:graphicFrame>
+        <p:nvGraphicFramePr>
+          <p:cNvPr id="5" name="Object 4"/>
+          <p:cNvGraphicFramePr>
+            <a:graphicFrameLocks noChangeAspect="1"/>
+          </p:cNvGraphicFramePr>
+          <p:nvPr>
+            <p:extLst>
+              <p:ext uri="{D42A27DB-BD31-4B8C-83A1-F6EECF244321}">
+                <p14:modId xmlns:p14="http://schemas.microsoft.com/office/powerpoint/2010/main" val="3572437451"/>
+              </p:ext>
+            </p:extLst>
+          </p:nvPr>
+        </p:nvGraphicFramePr>
+        <p:xfrm>
+          <a:off x="991501" y="2387204"/>
+          <a:ext cx="12277895" cy="540000"/>
+        </p:xfrm>
+        <a:graphic>
+          <a:graphicData uri="http://schemas.openxmlformats.org/presentationml/2006/ole">
+            <mc:AlternateContent xmlns:mc="http://schemas.openxmlformats.org/markup-compatibility/2006">
+              <mc:Choice xmlns:v="urn:schemas-microsoft-com:vml" Requires="v">
+                <p:oleObj spid="_x0000_s2054" name="Document" r:id="rId3" imgW="5486400" imgH="241300" progId="Word.Document.12">
+                  <p:link updateAutomatic="1"/>
+                </p:oleObj>
+              </mc:Choice>
+              <mc:Fallback>
+                <p:oleObj name="Document" r:id="rId3" imgW="5486400" imgH="241300" progId="Word.Document.12">
+                  <p:link updateAutomatic="1"/>
+                  <p:pic>
+                    <p:nvPicPr>
+                      <p:cNvPr id="0" name=""/>
+                      <p:cNvPicPr/>
+                      <p:nvPr/>
+                    </p:nvPicPr>
+                    <p:blipFill>
+                      <a:blip r:embed="rId4"/>
+                      <a:stretch>
+                        <a:fillRect/>
+                      </a:stretch>
+                    </p:blipFill>
+                    <p:spPr>
+                      <a:xfrm>
+                        <a:off x="991501" y="2387204"/>
+                        <a:ext cx="12277895" cy="540000"/>
+                      </a:xfrm>
+                      <a:prstGeom prst="rect">
+                        <a:avLst/>
+                      </a:prstGeom>
+                    </p:spPr>
+                  </p:pic>
+                </p:oleObj>
+              </mc:Fallback>
+            </mc:AlternateContent>
+          </a:graphicData>
+        </a:graphic>
+      </p:graphicFrame>
     </p:spTree>
     <p:extLst>
       <p:ext uri="{BB962C8B-B14F-4D97-AF65-F5344CB8AC3E}">
@@ -5015,36 +5328,63 @@
           </a:p>
         </p:txBody>
       </p:sp>
-      <p:pic>
-        <p:nvPicPr>
-          <p:cNvPr id="4" name="Picture 3" descr="Screen Shot 2014-05-14 at 10.11.56.png"/>
-          <p:cNvPicPr>
-            <a:picLocks noChangeAspect="1"/>
-          </p:cNvPicPr>
-          <p:nvPr/>
-        </p:nvPicPr>
-        <p:blipFill>
-          <a:blip r:embed="rId2">
-            <a:extLst>
-              <a:ext uri="{28A0092B-C50C-407E-A947-70E740481C1C}">
-                <a14:useLocalDpi xmlns:a14="http://schemas.microsoft.com/office/drawing/2010/main" val="0"/>
-              </a:ext>
-            </a:extLst>
-          </a:blip>
-          <a:stretch>
-            <a:fillRect/>
-          </a:stretch>
-        </p:blipFill>
-        <p:spPr>
-          <a:xfrm>
-            <a:off x="2384199" y="3161006"/>
-            <a:ext cx="2308804" cy="742479"/>
-          </a:xfrm>
-          <a:prstGeom prst="rect">
-            <a:avLst/>
-          </a:prstGeom>
-        </p:spPr>
-      </p:pic>
+      <p:graphicFrame>
+        <p:nvGraphicFramePr>
+          <p:cNvPr id="5" name="Object 4"/>
+          <p:cNvGraphicFramePr>
+            <a:graphicFrameLocks noChangeAspect="1"/>
+          </p:cNvGraphicFramePr>
+          <p:nvPr>
+            <p:extLst>
+              <p:ext uri="{D42A27DB-BD31-4B8C-83A1-F6EECF244321}">
+                <p14:modId xmlns:p14="http://schemas.microsoft.com/office/powerpoint/2010/main" val="1013868500"/>
+              </p:ext>
+            </p:extLst>
+          </p:nvPr>
+        </p:nvGraphicFramePr>
+        <p:xfrm>
+          <a:off x="981676" y="2921397"/>
+          <a:ext cx="16662857" cy="540000"/>
+        </p:xfrm>
+        <a:graphic>
+          <a:graphicData uri="http://schemas.openxmlformats.org/presentationml/2006/ole">
+            <mc:AlternateContent xmlns:mc="http://schemas.openxmlformats.org/markup-compatibility/2006">
+              <mc:Choice xmlns:v="urn:schemas-microsoft-com:vml" Requires="v">
+                <p:oleObj spid="_x0000_s3078" name="Document" r:id="rId3" imgW="5486400" imgH="177800" progId="Word.Document.12">
+                  <p:link updateAutomatic="1"/>
+                </p:oleObj>
+              </mc:Choice>
+              <mc:Fallback>
+                <p:oleObj name="Document" r:id="rId3" imgW="5486400" imgH="177800" progId="Word.Document.12">
+                  <p:link updateAutomatic="1"/>
+                  <p:pic>
+                    <p:nvPicPr>
+                      <p:cNvPr id="0" name=""/>
+                      <p:cNvPicPr/>
+                      <p:nvPr/>
+                    </p:nvPicPr>
+                    <p:blipFill>
+                      <a:blip r:embed="rId4"/>
+                      <a:stretch>
+                        <a:fillRect/>
+                      </a:stretch>
+                    </p:blipFill>
+                    <p:spPr>
+                      <a:xfrm>
+                        <a:off x="981676" y="2921397"/>
+                        <a:ext cx="16662857" cy="540000"/>
+                      </a:xfrm>
+                      <a:prstGeom prst="rect">
+                        <a:avLst/>
+                      </a:prstGeom>
+                    </p:spPr>
+                  </p:pic>
+                </p:oleObj>
+              </mc:Fallback>
+            </mc:AlternateContent>
+          </a:graphicData>
+        </a:graphic>
+      </p:graphicFrame>
     </p:spTree>
     <p:extLst>
       <p:ext uri="{BB962C8B-B14F-4D97-AF65-F5344CB8AC3E}">
@@ -5133,96 +5473,177 @@
           </a:p>
         </p:txBody>
       </p:sp>
-      <p:pic>
-        <p:nvPicPr>
-          <p:cNvPr id="7" name="Picture 6" descr="Screen Shot 2014-05-14 at 10.30.40.png"/>
-          <p:cNvPicPr>
-            <a:picLocks noChangeAspect="1"/>
-          </p:cNvPicPr>
-          <p:nvPr/>
-        </p:nvPicPr>
-        <p:blipFill>
-          <a:blip r:embed="rId2">
-            <a:extLst>
-              <a:ext uri="{28A0092B-C50C-407E-A947-70E740481C1C}">
-                <a14:useLocalDpi xmlns:a14="http://schemas.microsoft.com/office/drawing/2010/main" val="0"/>
-              </a:ext>
-            </a:extLst>
-          </a:blip>
-          <a:stretch>
-            <a:fillRect/>
-          </a:stretch>
-        </p:blipFill>
-        <p:spPr>
-          <a:xfrm>
-            <a:off x="569742" y="2178163"/>
-            <a:ext cx="7859871" cy="1237775"/>
-          </a:xfrm>
-          <a:prstGeom prst="rect">
-            <a:avLst/>
-          </a:prstGeom>
-        </p:spPr>
-      </p:pic>
-      <p:pic>
-        <p:nvPicPr>
-          <p:cNvPr id="8" name="Picture 7" descr="Screen Shot 2014-05-14 at 10.33.50.png"/>
-          <p:cNvPicPr>
-            <a:picLocks noChangeAspect="1"/>
-          </p:cNvPicPr>
-          <p:nvPr/>
-        </p:nvPicPr>
-        <p:blipFill>
-          <a:blip r:embed="rId3">
-            <a:extLst>
-              <a:ext uri="{28A0092B-C50C-407E-A947-70E740481C1C}">
-                <a14:useLocalDpi xmlns:a14="http://schemas.microsoft.com/office/drawing/2010/main" val="0"/>
-              </a:ext>
-            </a:extLst>
-          </a:blip>
-          <a:stretch>
-            <a:fillRect/>
-          </a:stretch>
-        </p:blipFill>
-        <p:spPr>
-          <a:xfrm>
-            <a:off x="569742" y="3882114"/>
-            <a:ext cx="4894159" cy="1060159"/>
-          </a:xfrm>
-          <a:prstGeom prst="rect">
-            <a:avLst/>
-          </a:prstGeom>
-        </p:spPr>
-      </p:pic>
-      <p:pic>
-        <p:nvPicPr>
-          <p:cNvPr id="9" name="Picture 8" descr="Screen Shot 2014-05-14 at 10.35.31.png"/>
-          <p:cNvPicPr>
-            <a:picLocks noChangeAspect="1"/>
-          </p:cNvPicPr>
-          <p:nvPr/>
-        </p:nvPicPr>
-        <p:blipFill>
-          <a:blip r:embed="rId4">
-            <a:extLst>
-              <a:ext uri="{28A0092B-C50C-407E-A947-70E740481C1C}">
-                <a14:useLocalDpi xmlns:a14="http://schemas.microsoft.com/office/drawing/2010/main" val="0"/>
-              </a:ext>
-            </a:extLst>
-          </a:blip>
-          <a:stretch>
-            <a:fillRect/>
-          </a:stretch>
-        </p:blipFill>
-        <p:spPr>
-          <a:xfrm>
-            <a:off x="612000" y="4964400"/>
-            <a:ext cx="8304962" cy="1026375"/>
-          </a:xfrm>
-          <a:prstGeom prst="rect">
-            <a:avLst/>
-          </a:prstGeom>
-        </p:spPr>
-      </p:pic>
+      <p:graphicFrame>
+        <p:nvGraphicFramePr>
+          <p:cNvPr id="4" name="Object 3"/>
+          <p:cNvGraphicFramePr>
+            <a:graphicFrameLocks noChangeAspect="1"/>
+          </p:cNvGraphicFramePr>
+          <p:nvPr>
+            <p:extLst>
+              <p:ext uri="{D42A27DB-BD31-4B8C-83A1-F6EECF244321}">
+                <p14:modId xmlns:p14="http://schemas.microsoft.com/office/powerpoint/2010/main" val="483694248"/>
+              </p:ext>
+            </p:extLst>
+          </p:nvPr>
+        </p:nvGraphicFramePr>
+        <p:xfrm>
+          <a:off x="974829" y="2427752"/>
+          <a:ext cx="11108572" cy="720000"/>
+        </p:xfrm>
+        <a:graphic>
+          <a:graphicData uri="http://schemas.openxmlformats.org/presentationml/2006/ole">
+            <mc:AlternateContent xmlns:mc="http://schemas.openxmlformats.org/markup-compatibility/2006">
+              <mc:Choice xmlns:v="urn:schemas-microsoft-com:vml" Requires="v">
+                <p:oleObj spid="_x0000_s4110" name="Document" r:id="rId3" imgW="5486400" imgH="355600" progId="Word.Document.12">
+                  <p:link updateAutomatic="1"/>
+                </p:oleObj>
+              </mc:Choice>
+              <mc:Fallback>
+                <p:oleObj name="Document" r:id="rId3" imgW="5486400" imgH="355600" progId="Word.Document.12">
+                  <p:link updateAutomatic="1"/>
+                  <p:pic>
+                    <p:nvPicPr>
+                      <p:cNvPr id="0" name=""/>
+                      <p:cNvPicPr/>
+                      <p:nvPr/>
+                    </p:nvPicPr>
+                    <p:blipFill>
+                      <a:blip r:embed="rId4"/>
+                      <a:stretch>
+                        <a:fillRect/>
+                      </a:stretch>
+                    </p:blipFill>
+                    <p:spPr>
+                      <a:xfrm>
+                        <a:off x="974829" y="2427752"/>
+                        <a:ext cx="11108572" cy="720000"/>
+                      </a:xfrm>
+                      <a:prstGeom prst="rect">
+                        <a:avLst/>
+                      </a:prstGeom>
+                    </p:spPr>
+                  </p:pic>
+                </p:oleObj>
+              </mc:Fallback>
+            </mc:AlternateContent>
+          </a:graphicData>
+        </a:graphic>
+      </p:graphicFrame>
+      <p:graphicFrame>
+        <p:nvGraphicFramePr>
+          <p:cNvPr id="5" name="Object 4"/>
+          <p:cNvGraphicFramePr>
+            <a:graphicFrameLocks noChangeAspect="1"/>
+          </p:cNvGraphicFramePr>
+          <p:nvPr>
+            <p:extLst>
+              <p:ext uri="{D42A27DB-BD31-4B8C-83A1-F6EECF244321}">
+                <p14:modId xmlns:p14="http://schemas.microsoft.com/office/powerpoint/2010/main" val="2742708678"/>
+              </p:ext>
+            </p:extLst>
+          </p:nvPr>
+        </p:nvGraphicFramePr>
+        <p:xfrm>
+          <a:off x="974830" y="3971200"/>
+          <a:ext cx="11108571" cy="720000"/>
+        </p:xfrm>
+        <a:graphic>
+          <a:graphicData uri="http://schemas.openxmlformats.org/presentationml/2006/ole">
+            <mc:AlternateContent xmlns:mc="http://schemas.openxmlformats.org/markup-compatibility/2006">
+              <mc:Choice xmlns:v="urn:schemas-microsoft-com:vml" Requires="v">
+                <p:oleObj spid="_x0000_s4111" name="Document" r:id="rId5" imgW="5486400" imgH="355600" progId="Word.Document.12">
+                  <p:link updateAutomatic="1"/>
+                </p:oleObj>
+              </mc:Choice>
+              <mc:Fallback>
+                <p:oleObj name="Document" r:id="rId5" imgW="5486400" imgH="355600" progId="Word.Document.12">
+                  <p:link updateAutomatic="1"/>
+                  <p:pic>
+                    <p:nvPicPr>
+                      <p:cNvPr id="0" name=""/>
+                      <p:cNvPicPr/>
+                      <p:nvPr/>
+                    </p:nvPicPr>
+                    <p:blipFill>
+                      <a:blip r:embed="rId6"/>
+                      <a:stretch>
+                        <a:fillRect/>
+                      </a:stretch>
+                    </p:blipFill>
+                    <p:spPr>
+                      <a:xfrm>
+                        <a:off x="974830" y="3971200"/>
+                        <a:ext cx="11108571" cy="720000"/>
+                      </a:xfrm>
+                      <a:prstGeom prst="rect">
+                        <a:avLst/>
+                      </a:prstGeom>
+                    </p:spPr>
+                  </p:pic>
+                </p:oleObj>
+              </mc:Fallback>
+            </mc:AlternateContent>
+          </a:graphicData>
+        </a:graphic>
+      </p:graphicFrame>
+      <p:graphicFrame>
+        <p:nvGraphicFramePr>
+          <p:cNvPr id="6" name="Object 5"/>
+          <p:cNvGraphicFramePr>
+            <a:graphicFrameLocks noChangeAspect="1"/>
+          </p:cNvGraphicFramePr>
+          <p:nvPr>
+            <p:extLst>
+              <p:ext uri="{D42A27DB-BD31-4B8C-83A1-F6EECF244321}">
+                <p14:modId xmlns:p14="http://schemas.microsoft.com/office/powerpoint/2010/main" val="2523631778"/>
+              </p:ext>
+            </p:extLst>
+          </p:nvPr>
+        </p:nvGraphicFramePr>
+        <p:xfrm>
+          <a:off x="974829" y="4995794"/>
+          <a:ext cx="11108571" cy="720000"/>
+        </p:xfrm>
+        <a:graphic>
+          <a:graphicData uri="http://schemas.openxmlformats.org/presentationml/2006/ole">
+            <mc:AlternateContent xmlns:mc="http://schemas.openxmlformats.org/markup-compatibility/2006">
+              <mc:Choice xmlns:v="urn:schemas-microsoft-com:vml" Requires="v">
+                <p:oleObj spid="_x0000_s4112" name="Document" r:id="rId7" imgW="5486400" imgH="355600" progId="Word.Document.12">
+                  <p:link updateAutomatic="1"/>
+                </p:oleObj>
+              </mc:Choice>
+              <mc:Fallback>
+                <p:oleObj name="Document" r:id="rId7" imgW="5486400" imgH="355600" progId="Word.Document.12">
+                  <p:link updateAutomatic="1"/>
+                  <p:pic>
+                    <p:nvPicPr>
+                      <p:cNvPr id="0" name=""/>
+                      <p:cNvPicPr/>
+                      <p:nvPr/>
+                    </p:nvPicPr>
+                    <p:blipFill>
+                      <a:blip r:embed="rId8"/>
+                      <a:stretch>
+                        <a:fillRect/>
+                      </a:stretch>
+                    </p:blipFill>
+                    <p:spPr>
+                      <a:xfrm>
+                        <a:off x="974829" y="4995794"/>
+                        <a:ext cx="11108571" cy="720000"/>
+                      </a:xfrm>
+                      <a:prstGeom prst="rect">
+                        <a:avLst/>
+                      </a:prstGeom>
+                    </p:spPr>
+                  </p:pic>
+                </p:oleObj>
+              </mc:Fallback>
+            </mc:AlternateContent>
+          </a:graphicData>
+        </a:graphic>
+      </p:graphicFrame>
     </p:spTree>
     <p:extLst>
       <p:ext uri="{BB962C8B-B14F-4D97-AF65-F5344CB8AC3E}">
@@ -5351,36 +5772,63 @@
           </a:p>
         </p:txBody>
       </p:sp>
-      <p:pic>
-        <p:nvPicPr>
-          <p:cNvPr id="9" name="Picture 8" descr="Screen Shot 2014-05-14 at 10.15.43.png"/>
-          <p:cNvPicPr>
-            <a:picLocks noChangeAspect="1"/>
-          </p:cNvPicPr>
-          <p:nvPr/>
-        </p:nvPicPr>
-        <p:blipFill>
-          <a:blip r:embed="rId2">
-            <a:extLst>
-              <a:ext uri="{28A0092B-C50C-407E-A947-70E740481C1C}">
-                <a14:useLocalDpi xmlns:a14="http://schemas.microsoft.com/office/drawing/2010/main" val="0"/>
-              </a:ext>
-            </a:extLst>
-          </a:blip>
-          <a:stretch>
-            <a:fillRect/>
-          </a:stretch>
-        </p:blipFill>
-        <p:spPr>
-          <a:xfrm>
-            <a:off x="2144500" y="3934383"/>
-            <a:ext cx="4050884" cy="1379971"/>
-          </a:xfrm>
-          <a:prstGeom prst="rect">
-            <a:avLst/>
-          </a:prstGeom>
-        </p:spPr>
-      </p:pic>
+      <p:graphicFrame>
+        <p:nvGraphicFramePr>
+          <p:cNvPr id="4" name="Object 3"/>
+          <p:cNvGraphicFramePr>
+            <a:graphicFrameLocks noChangeAspect="1"/>
+          </p:cNvGraphicFramePr>
+          <p:nvPr>
+            <p:extLst>
+              <p:ext uri="{D42A27DB-BD31-4B8C-83A1-F6EECF244321}">
+                <p14:modId xmlns:p14="http://schemas.microsoft.com/office/powerpoint/2010/main" val="94876574"/>
+              </p:ext>
+            </p:extLst>
+          </p:nvPr>
+        </p:nvGraphicFramePr>
+        <p:xfrm>
+          <a:off x="-3697371" y="3625452"/>
+          <a:ext cx="15551999" cy="1260000"/>
+        </p:xfrm>
+        <a:graphic>
+          <a:graphicData uri="http://schemas.openxmlformats.org/presentationml/2006/ole">
+            <mc:AlternateContent xmlns:mc="http://schemas.openxmlformats.org/markup-compatibility/2006">
+              <mc:Choice xmlns:v="urn:schemas-microsoft-com:vml" Requires="v">
+                <p:oleObj spid="_x0000_s5126" name="Document" r:id="rId3" imgW="5486400" imgH="444500" progId="Word.Document.12">
+                  <p:link updateAutomatic="1"/>
+                </p:oleObj>
+              </mc:Choice>
+              <mc:Fallback>
+                <p:oleObj name="Document" r:id="rId3" imgW="5486400" imgH="444500" progId="Word.Document.12">
+                  <p:link updateAutomatic="1"/>
+                  <p:pic>
+                    <p:nvPicPr>
+                      <p:cNvPr id="0" name=""/>
+                      <p:cNvPicPr/>
+                      <p:nvPr/>
+                    </p:nvPicPr>
+                    <p:blipFill>
+                      <a:blip r:embed="rId4"/>
+                      <a:stretch>
+                        <a:fillRect/>
+                      </a:stretch>
+                    </p:blipFill>
+                    <p:spPr>
+                      <a:xfrm>
+                        <a:off x="-3697371" y="3625452"/>
+                        <a:ext cx="15551999" cy="1260000"/>
+                      </a:xfrm>
+                      <a:prstGeom prst="rect">
+                        <a:avLst/>
+                      </a:prstGeom>
+                    </p:spPr>
+                  </p:pic>
+                </p:oleObj>
+              </mc:Fallback>
+            </mc:AlternateContent>
+          </a:graphicData>
+        </a:graphic>
+      </p:graphicFrame>
     </p:spTree>
     <p:extLst>
       <p:ext uri="{BB962C8B-B14F-4D97-AF65-F5344CB8AC3E}">
